--- a/Presentacion.pptx
+++ b/Presentacion.pptx
@@ -5,7 +5,7 @@
     <p:sldMasterId id="2147483664" r:id="rId1"/>
   </p:sldMasterIdLst>
   <p:notesMasterIdLst>
-    <p:notesMasterId r:id="rId23"/>
+    <p:notesMasterId r:id="rId27"/>
   </p:notesMasterIdLst>
   <p:sldIdLst>
     <p:sldId id="256" r:id="rId2"/>
@@ -29,6 +29,10 @@
     <p:sldId id="274" r:id="rId20"/>
     <p:sldId id="275" r:id="rId21"/>
     <p:sldId id="276" r:id="rId22"/>
+    <p:sldId id="277" r:id="rId23"/>
+    <p:sldId id="278" r:id="rId24"/>
+    <p:sldId id="279" r:id="rId25"/>
+    <p:sldId id="280" r:id="rId26"/>
   </p:sldIdLst>
   <p:sldSz cx="9144000" cy="5143500" type="screen16x9"/>
   <p:notesSz cx="6858000" cy="9144000"/>
@@ -2241,6 +2245,442 @@
     <p:extLst>
       <p:ext uri="{BB962C8B-B14F-4D97-AF65-F5344CB8AC3E}">
         <p14:creationId xmlns:p14="http://schemas.microsoft.com/office/powerpoint/2010/main" val="3952188856"/>
+      </p:ext>
+    </p:extLst>
+  </p:cSld>
+  <p:clrMapOvr>
+    <a:masterClrMapping/>
+  </p:clrMapOvr>
+</p:notes>
+</file>
+
+<file path=ppt/notesSlides/notesSlide22.xml><?xml version="1.0" encoding="utf-8"?>
+<p:notes xmlns:a="http://schemas.openxmlformats.org/drawingml/2006/main" xmlns:r="http://schemas.openxmlformats.org/officeDocument/2006/relationships" xmlns:p="http://schemas.openxmlformats.org/presentationml/2006/main" showMasterSp="0" showMasterPhAnim="0">
+  <p:cSld>
+    <p:spTree>
+      <p:nvGrpSpPr>
+        <p:cNvPr id="1" name="Shape 224"/>
+        <p:cNvGrpSpPr/>
+        <p:nvPr/>
+      </p:nvGrpSpPr>
+      <p:grpSpPr>
+        <a:xfrm>
+          <a:off x="0" y="0"/>
+          <a:ext cx="0" cy="0"/>
+          <a:chOff x="0" y="0"/>
+          <a:chExt cx="0" cy="0"/>
+        </a:xfrm>
+      </p:grpSpPr>
+      <p:sp>
+        <p:nvSpPr>
+          <p:cNvPr id="225" name="Google Shape;225;g438a0c0c89_0_625:notes"/>
+          <p:cNvSpPr>
+            <a:spLocks noGrp="1" noRot="1" noChangeAspect="1"/>
+          </p:cNvSpPr>
+          <p:nvPr>
+            <p:ph type="sldImg" idx="2"/>
+          </p:nvPr>
+        </p:nvSpPr>
+        <p:spPr>
+          <a:xfrm>
+            <a:off x="381000" y="685800"/>
+            <a:ext cx="6096000" cy="3429000"/>
+          </a:xfrm>
+          <a:custGeom>
+            <a:avLst/>
+            <a:gdLst/>
+            <a:ahLst/>
+            <a:cxnLst/>
+            <a:rect l="l" t="t" r="r" b="b"/>
+            <a:pathLst>
+              <a:path w="120000" h="120000" extrusionOk="0">
+                <a:moveTo>
+                  <a:pt x="0" y="0"/>
+                </a:moveTo>
+                <a:lnTo>
+                  <a:pt x="120000" y="0"/>
+                </a:lnTo>
+                <a:lnTo>
+                  <a:pt x="120000" y="120000"/>
+                </a:lnTo>
+                <a:lnTo>
+                  <a:pt x="0" y="120000"/>
+                </a:lnTo>
+                <a:close/>
+              </a:path>
+            </a:pathLst>
+          </a:custGeom>
+        </p:spPr>
+      </p:sp>
+      <p:sp>
+        <p:nvSpPr>
+          <p:cNvPr id="226" name="Google Shape;226;g438a0c0c89_0_625:notes"/>
+          <p:cNvSpPr txBox="1">
+            <a:spLocks noGrp="1"/>
+          </p:cNvSpPr>
+          <p:nvPr>
+            <p:ph type="body" idx="1"/>
+          </p:nvPr>
+        </p:nvSpPr>
+        <p:spPr>
+          <a:xfrm>
+            <a:off x="685800" y="4343400"/>
+            <a:ext cx="5486400" cy="4114800"/>
+          </a:xfrm>
+          <a:prstGeom prst="rect">
+            <a:avLst/>
+          </a:prstGeom>
+        </p:spPr>
+        <p:txBody>
+          <a:bodyPr spcFirstLastPara="1" wrap="square" lIns="91425" tIns="91425" rIns="91425" bIns="91425" anchor="t" anchorCtr="0">
+            <a:noAutofit/>
+          </a:bodyPr>
+          <a:lstStyle/>
+          <a:p>
+            <a:pPr marL="0" lvl="0" indent="0" algn="l" rtl="0">
+              <a:spcBef>
+                <a:spcPts val="0"/>
+              </a:spcBef>
+              <a:spcAft>
+                <a:spcPts val="0"/>
+              </a:spcAft>
+              <a:buNone/>
+            </a:pPr>
+            <a:endParaRPr/>
+          </a:p>
+        </p:txBody>
+      </p:sp>
+    </p:spTree>
+    <p:extLst>
+      <p:ext uri="{BB962C8B-B14F-4D97-AF65-F5344CB8AC3E}">
+        <p14:creationId xmlns:p14="http://schemas.microsoft.com/office/powerpoint/2010/main" val="3333480212"/>
+      </p:ext>
+    </p:extLst>
+  </p:cSld>
+  <p:clrMapOvr>
+    <a:masterClrMapping/>
+  </p:clrMapOvr>
+</p:notes>
+</file>
+
+<file path=ppt/notesSlides/notesSlide23.xml><?xml version="1.0" encoding="utf-8"?>
+<p:notes xmlns:a="http://schemas.openxmlformats.org/drawingml/2006/main" xmlns:r="http://schemas.openxmlformats.org/officeDocument/2006/relationships" xmlns:p="http://schemas.openxmlformats.org/presentationml/2006/main" showMasterSp="0" showMasterPhAnim="0">
+  <p:cSld>
+    <p:spTree>
+      <p:nvGrpSpPr>
+        <p:cNvPr id="1" name="Shape 224"/>
+        <p:cNvGrpSpPr/>
+        <p:nvPr/>
+      </p:nvGrpSpPr>
+      <p:grpSpPr>
+        <a:xfrm>
+          <a:off x="0" y="0"/>
+          <a:ext cx="0" cy="0"/>
+          <a:chOff x="0" y="0"/>
+          <a:chExt cx="0" cy="0"/>
+        </a:xfrm>
+      </p:grpSpPr>
+      <p:sp>
+        <p:nvSpPr>
+          <p:cNvPr id="225" name="Google Shape;225;g438a0c0c89_0_625:notes"/>
+          <p:cNvSpPr>
+            <a:spLocks noGrp="1" noRot="1" noChangeAspect="1"/>
+          </p:cNvSpPr>
+          <p:nvPr>
+            <p:ph type="sldImg" idx="2"/>
+          </p:nvPr>
+        </p:nvSpPr>
+        <p:spPr>
+          <a:xfrm>
+            <a:off x="381000" y="685800"/>
+            <a:ext cx="6096000" cy="3429000"/>
+          </a:xfrm>
+          <a:custGeom>
+            <a:avLst/>
+            <a:gdLst/>
+            <a:ahLst/>
+            <a:cxnLst/>
+            <a:rect l="l" t="t" r="r" b="b"/>
+            <a:pathLst>
+              <a:path w="120000" h="120000" extrusionOk="0">
+                <a:moveTo>
+                  <a:pt x="0" y="0"/>
+                </a:moveTo>
+                <a:lnTo>
+                  <a:pt x="120000" y="0"/>
+                </a:lnTo>
+                <a:lnTo>
+                  <a:pt x="120000" y="120000"/>
+                </a:lnTo>
+                <a:lnTo>
+                  <a:pt x="0" y="120000"/>
+                </a:lnTo>
+                <a:close/>
+              </a:path>
+            </a:pathLst>
+          </a:custGeom>
+        </p:spPr>
+      </p:sp>
+      <p:sp>
+        <p:nvSpPr>
+          <p:cNvPr id="226" name="Google Shape;226;g438a0c0c89_0_625:notes"/>
+          <p:cNvSpPr txBox="1">
+            <a:spLocks noGrp="1"/>
+          </p:cNvSpPr>
+          <p:nvPr>
+            <p:ph type="body" idx="1"/>
+          </p:nvPr>
+        </p:nvSpPr>
+        <p:spPr>
+          <a:xfrm>
+            <a:off x="685800" y="4343400"/>
+            <a:ext cx="5486400" cy="4114800"/>
+          </a:xfrm>
+          <a:prstGeom prst="rect">
+            <a:avLst/>
+          </a:prstGeom>
+        </p:spPr>
+        <p:txBody>
+          <a:bodyPr spcFirstLastPara="1" wrap="square" lIns="91425" tIns="91425" rIns="91425" bIns="91425" anchor="t" anchorCtr="0">
+            <a:noAutofit/>
+          </a:bodyPr>
+          <a:lstStyle/>
+          <a:p>
+            <a:pPr marL="0" lvl="0" indent="0" algn="l" rtl="0">
+              <a:spcBef>
+                <a:spcPts val="0"/>
+              </a:spcBef>
+              <a:spcAft>
+                <a:spcPts val="0"/>
+              </a:spcAft>
+              <a:buNone/>
+            </a:pPr>
+            <a:endParaRPr/>
+          </a:p>
+        </p:txBody>
+      </p:sp>
+    </p:spTree>
+    <p:extLst>
+      <p:ext uri="{BB962C8B-B14F-4D97-AF65-F5344CB8AC3E}">
+        <p14:creationId xmlns:p14="http://schemas.microsoft.com/office/powerpoint/2010/main" val="2373936000"/>
+      </p:ext>
+    </p:extLst>
+  </p:cSld>
+  <p:clrMapOvr>
+    <a:masterClrMapping/>
+  </p:clrMapOvr>
+</p:notes>
+</file>
+
+<file path=ppt/notesSlides/notesSlide24.xml><?xml version="1.0" encoding="utf-8"?>
+<p:notes xmlns:a="http://schemas.openxmlformats.org/drawingml/2006/main" xmlns:r="http://schemas.openxmlformats.org/officeDocument/2006/relationships" xmlns:p="http://schemas.openxmlformats.org/presentationml/2006/main" showMasterSp="0" showMasterPhAnim="0">
+  <p:cSld>
+    <p:spTree>
+      <p:nvGrpSpPr>
+        <p:cNvPr id="1" name="Shape 224"/>
+        <p:cNvGrpSpPr/>
+        <p:nvPr/>
+      </p:nvGrpSpPr>
+      <p:grpSpPr>
+        <a:xfrm>
+          <a:off x="0" y="0"/>
+          <a:ext cx="0" cy="0"/>
+          <a:chOff x="0" y="0"/>
+          <a:chExt cx="0" cy="0"/>
+        </a:xfrm>
+      </p:grpSpPr>
+      <p:sp>
+        <p:nvSpPr>
+          <p:cNvPr id="225" name="Google Shape;225;g438a0c0c89_0_625:notes"/>
+          <p:cNvSpPr>
+            <a:spLocks noGrp="1" noRot="1" noChangeAspect="1"/>
+          </p:cNvSpPr>
+          <p:nvPr>
+            <p:ph type="sldImg" idx="2"/>
+          </p:nvPr>
+        </p:nvSpPr>
+        <p:spPr>
+          <a:xfrm>
+            <a:off x="381000" y="685800"/>
+            <a:ext cx="6096000" cy="3429000"/>
+          </a:xfrm>
+          <a:custGeom>
+            <a:avLst/>
+            <a:gdLst/>
+            <a:ahLst/>
+            <a:cxnLst/>
+            <a:rect l="l" t="t" r="r" b="b"/>
+            <a:pathLst>
+              <a:path w="120000" h="120000" extrusionOk="0">
+                <a:moveTo>
+                  <a:pt x="0" y="0"/>
+                </a:moveTo>
+                <a:lnTo>
+                  <a:pt x="120000" y="0"/>
+                </a:lnTo>
+                <a:lnTo>
+                  <a:pt x="120000" y="120000"/>
+                </a:lnTo>
+                <a:lnTo>
+                  <a:pt x="0" y="120000"/>
+                </a:lnTo>
+                <a:close/>
+              </a:path>
+            </a:pathLst>
+          </a:custGeom>
+        </p:spPr>
+      </p:sp>
+      <p:sp>
+        <p:nvSpPr>
+          <p:cNvPr id="226" name="Google Shape;226;g438a0c0c89_0_625:notes"/>
+          <p:cNvSpPr txBox="1">
+            <a:spLocks noGrp="1"/>
+          </p:cNvSpPr>
+          <p:nvPr>
+            <p:ph type="body" idx="1"/>
+          </p:nvPr>
+        </p:nvSpPr>
+        <p:spPr>
+          <a:xfrm>
+            <a:off x="685800" y="4343400"/>
+            <a:ext cx="5486400" cy="4114800"/>
+          </a:xfrm>
+          <a:prstGeom prst="rect">
+            <a:avLst/>
+          </a:prstGeom>
+        </p:spPr>
+        <p:txBody>
+          <a:bodyPr spcFirstLastPara="1" wrap="square" lIns="91425" tIns="91425" rIns="91425" bIns="91425" anchor="t" anchorCtr="0">
+            <a:noAutofit/>
+          </a:bodyPr>
+          <a:lstStyle/>
+          <a:p>
+            <a:pPr marL="0" lvl="0" indent="0" algn="l" rtl="0">
+              <a:spcBef>
+                <a:spcPts val="0"/>
+              </a:spcBef>
+              <a:spcAft>
+                <a:spcPts val="0"/>
+              </a:spcAft>
+              <a:buNone/>
+            </a:pPr>
+            <a:endParaRPr/>
+          </a:p>
+        </p:txBody>
+      </p:sp>
+    </p:spTree>
+    <p:extLst>
+      <p:ext uri="{BB962C8B-B14F-4D97-AF65-F5344CB8AC3E}">
+        <p14:creationId xmlns:p14="http://schemas.microsoft.com/office/powerpoint/2010/main" val="2484314990"/>
+      </p:ext>
+    </p:extLst>
+  </p:cSld>
+  <p:clrMapOvr>
+    <a:masterClrMapping/>
+  </p:clrMapOvr>
+</p:notes>
+</file>
+
+<file path=ppt/notesSlides/notesSlide25.xml><?xml version="1.0" encoding="utf-8"?>
+<p:notes xmlns:a="http://schemas.openxmlformats.org/drawingml/2006/main" xmlns:r="http://schemas.openxmlformats.org/officeDocument/2006/relationships" xmlns:p="http://schemas.openxmlformats.org/presentationml/2006/main" showMasterSp="0" showMasterPhAnim="0">
+  <p:cSld>
+    <p:spTree>
+      <p:nvGrpSpPr>
+        <p:cNvPr id="1" name="Shape 224"/>
+        <p:cNvGrpSpPr/>
+        <p:nvPr/>
+      </p:nvGrpSpPr>
+      <p:grpSpPr>
+        <a:xfrm>
+          <a:off x="0" y="0"/>
+          <a:ext cx="0" cy="0"/>
+          <a:chOff x="0" y="0"/>
+          <a:chExt cx="0" cy="0"/>
+        </a:xfrm>
+      </p:grpSpPr>
+      <p:sp>
+        <p:nvSpPr>
+          <p:cNvPr id="225" name="Google Shape;225;g438a0c0c89_0_625:notes"/>
+          <p:cNvSpPr>
+            <a:spLocks noGrp="1" noRot="1" noChangeAspect="1"/>
+          </p:cNvSpPr>
+          <p:nvPr>
+            <p:ph type="sldImg" idx="2"/>
+          </p:nvPr>
+        </p:nvSpPr>
+        <p:spPr>
+          <a:xfrm>
+            <a:off x="381000" y="685800"/>
+            <a:ext cx="6096000" cy="3429000"/>
+          </a:xfrm>
+          <a:custGeom>
+            <a:avLst/>
+            <a:gdLst/>
+            <a:ahLst/>
+            <a:cxnLst/>
+            <a:rect l="l" t="t" r="r" b="b"/>
+            <a:pathLst>
+              <a:path w="120000" h="120000" extrusionOk="0">
+                <a:moveTo>
+                  <a:pt x="0" y="0"/>
+                </a:moveTo>
+                <a:lnTo>
+                  <a:pt x="120000" y="0"/>
+                </a:lnTo>
+                <a:lnTo>
+                  <a:pt x="120000" y="120000"/>
+                </a:lnTo>
+                <a:lnTo>
+                  <a:pt x="0" y="120000"/>
+                </a:lnTo>
+                <a:close/>
+              </a:path>
+            </a:pathLst>
+          </a:custGeom>
+        </p:spPr>
+      </p:sp>
+      <p:sp>
+        <p:nvSpPr>
+          <p:cNvPr id="226" name="Google Shape;226;g438a0c0c89_0_625:notes"/>
+          <p:cNvSpPr txBox="1">
+            <a:spLocks noGrp="1"/>
+          </p:cNvSpPr>
+          <p:nvPr>
+            <p:ph type="body" idx="1"/>
+          </p:nvPr>
+        </p:nvSpPr>
+        <p:spPr>
+          <a:xfrm>
+            <a:off x="685800" y="4343400"/>
+            <a:ext cx="5486400" cy="4114800"/>
+          </a:xfrm>
+          <a:prstGeom prst="rect">
+            <a:avLst/>
+          </a:prstGeom>
+        </p:spPr>
+        <p:txBody>
+          <a:bodyPr spcFirstLastPara="1" wrap="square" lIns="91425" tIns="91425" rIns="91425" bIns="91425" anchor="t" anchorCtr="0">
+            <a:noAutofit/>
+          </a:bodyPr>
+          <a:lstStyle/>
+          <a:p>
+            <a:pPr marL="0" lvl="0" indent="0" algn="l" rtl="0">
+              <a:spcBef>
+                <a:spcPts val="0"/>
+              </a:spcBef>
+              <a:spcAft>
+                <a:spcPts val="0"/>
+              </a:spcAft>
+              <a:buNone/>
+            </a:pPr>
+            <a:endParaRPr/>
+          </a:p>
+        </p:txBody>
+      </p:sp>
+    </p:spTree>
+    <p:extLst>
+      <p:ext uri="{BB962C8B-B14F-4D97-AF65-F5344CB8AC3E}">
+        <p14:creationId xmlns:p14="http://schemas.microsoft.com/office/powerpoint/2010/main" val="250519803"/>
       </p:ext>
     </p:extLst>
   </p:cSld>
@@ -23864,10 +24304,10 @@
               <a:buNone/>
             </a:pPr>
             <a:r>
-              <a:rPr lang="es" sz="2400"/>
+              <a:rPr lang="es" sz="2400" dirty="0"/>
               <a:t>Integrantes</a:t>
             </a:r>
-            <a:endParaRPr sz="2400"/>
+            <a:endParaRPr sz="2400" dirty="0"/>
           </a:p>
           <a:p>
             <a:pPr marL="0" lvl="0" indent="0" algn="ctr" rtl="0">
@@ -23879,7 +24319,7 @@
               </a:spcAft>
               <a:buNone/>
             </a:pPr>
-            <a:endParaRPr sz="2400"/>
+            <a:endParaRPr sz="2400" dirty="0"/>
           </a:p>
           <a:p>
             <a:pPr marL="0" lvl="0" indent="0" algn="ctr" rtl="0">
@@ -23892,10 +24332,10 @@
               <a:buNone/>
             </a:pPr>
             <a:r>
-              <a:rPr lang="es" sz="2400"/>
+              <a:rPr lang="es" sz="2400" dirty="0"/>
               <a:t>Kristein Johan Ordoñez</a:t>
             </a:r>
-            <a:endParaRPr sz="2400"/>
+            <a:endParaRPr sz="2400" dirty="0"/>
           </a:p>
           <a:p>
             <a:pPr marL="0" lvl="0" indent="0" algn="ctr" rtl="0">
@@ -23908,10 +24348,53 @@
               <a:buNone/>
             </a:pPr>
             <a:r>
-              <a:rPr lang="es" sz="2400"/>
-              <a:t>Jhonatan Astudillo</a:t>
+              <a:rPr lang="es" sz="2400" dirty="0"/>
+              <a:t>Jhonatan </a:t>
             </a:r>
-            <a:endParaRPr sz="2400"/>
+            <a:r>
+              <a:rPr lang="es" sz="2400" dirty="0" smtClean="0"/>
+              <a:t>Astudillo</a:t>
+            </a:r>
+          </a:p>
+          <a:p>
+            <a:pPr marL="0" lvl="0" indent="0" algn="ctr" rtl="0">
+              <a:spcBef>
+                <a:spcPts val="0"/>
+              </a:spcBef>
+              <a:spcAft>
+                <a:spcPts val="0"/>
+              </a:spcAft>
+              <a:buNone/>
+            </a:pPr>
+            <a:endParaRPr lang="es" sz="2400" dirty="0"/>
+          </a:p>
+          <a:p>
+            <a:pPr marL="0" lvl="0" indent="0" algn="ctr" rtl="0">
+              <a:spcBef>
+                <a:spcPts val="0"/>
+              </a:spcBef>
+              <a:spcAft>
+                <a:spcPts val="0"/>
+              </a:spcAft>
+              <a:buNone/>
+            </a:pPr>
+            <a:endParaRPr lang="es" sz="2000" dirty="0" smtClean="0"/>
+          </a:p>
+          <a:p>
+            <a:pPr marL="0" lvl="0" indent="0" algn="ctr" rtl="0">
+              <a:spcBef>
+                <a:spcPts val="0"/>
+              </a:spcBef>
+              <a:spcAft>
+                <a:spcPts val="0"/>
+              </a:spcAft>
+              <a:buNone/>
+            </a:pPr>
+            <a:r>
+              <a:rPr lang="es" sz="2000" dirty="0" smtClean="0"/>
+              <a:t>Universidad del Cauca</a:t>
+            </a:r>
+            <a:endParaRPr sz="2000" dirty="0"/>
           </a:p>
         </p:txBody>
       </p:sp>
@@ -26277,8 +26760,8 @@
         </p:nvSpPr>
         <p:spPr>
           <a:xfrm>
-            <a:off x="657816" y="1792228"/>
-            <a:ext cx="6812100" cy="2158769"/>
+            <a:off x="619713" y="2634709"/>
+            <a:ext cx="6812100" cy="2379080"/>
           </a:xfrm>
           <a:prstGeom prst="rect">
             <a:avLst/>
@@ -26297,56 +26780,90 @@
             <a:pPr lvl="0" algn="just"/>
             <a:r>
               <a:rPr lang="es-ES" sz="1800" b="1" dirty="0" smtClean="0"/>
-              <a:t>Historia:</a:t>
+              <a:t>Letra a letra:</a:t>
+            </a:r>
+          </a:p>
+          <a:p>
+            <a:pPr lvl="0" algn="just"/>
+            <a:endParaRPr lang="es-ES" sz="1800" b="1" dirty="0" smtClean="0"/>
+          </a:p>
+          <a:p>
+            <a:pPr marL="342900" indent="-342900" algn="just">
+              <a:buAutoNum type="arabicPeriod"/>
+            </a:pPr>
+            <a:r>
+              <a:rPr lang="es-AR" sz="1800" dirty="0" smtClean="0"/>
+              <a:t>Se </a:t>
+            </a:r>
+            <a:r>
+              <a:rPr lang="es-AR" sz="1800" dirty="0"/>
+              <a:t>avanzan los rotores</a:t>
+            </a:r>
+            <a:r>
+              <a:rPr lang="es-AR" sz="1800" dirty="0" smtClean="0"/>
+              <a:t>.</a:t>
+            </a:r>
+          </a:p>
+          <a:p>
+            <a:pPr algn="just"/>
+            <a:endParaRPr lang="es-AR" sz="1800" dirty="0"/>
+          </a:p>
+          <a:p>
+            <a:pPr algn="just"/>
+            <a:r>
+              <a:rPr lang="es-ES" sz="1800" dirty="0" smtClean="0">
+                <a:solidFill>
+                  <a:schemeClr val="tx1"/>
+                </a:solidFill>
+              </a:rPr>
+              <a:t>2. </a:t>
+            </a:r>
+            <a:r>
+              <a:rPr lang="es-ES" sz="1800" dirty="0"/>
+              <a:t>Se busca la letra en substituciones y se aplica si procede</a:t>
             </a:r>
             <a:r>
               <a:rPr lang="es-ES" sz="1800" dirty="0" smtClean="0"/>
-              <a:t> Patentada </a:t>
+              <a:t>.</a:t>
+            </a:r>
+          </a:p>
+          <a:p>
+            <a:pPr algn="just"/>
+            <a:endParaRPr lang="es-ES" sz="1800" dirty="0"/>
+          </a:p>
+          <a:p>
+            <a:pPr algn="just"/>
+            <a:r>
+              <a:rPr lang="es-ES" sz="1800" dirty="0" smtClean="0">
+                <a:solidFill>
+                  <a:schemeClr val="tx1"/>
+                </a:solidFill>
+              </a:rPr>
+              <a:t>3. </a:t>
             </a:r>
             <a:r>
               <a:rPr lang="es-ES" sz="1800" dirty="0"/>
-              <a:t>en 1918 por la empresa alemana </a:t>
+              <a:t>Empezando por el rotor de la DERECHA, se cifra con las claves que les toquen, acorde con el tipo de rotor, la </a:t>
             </a:r>
             <a:r>
-              <a:rPr lang="es-ES" sz="1800" dirty="0" err="1"/>
-              <a:t>Scherbius</a:t>
+              <a:rPr lang="es-ES" sz="1800" dirty="0" smtClean="0"/>
+              <a:t>posición </a:t>
             </a:r>
             <a:r>
               <a:rPr lang="es-ES" sz="1800" dirty="0"/>
-              <a:t> &amp; </a:t>
+              <a:t>de este, y la </a:t>
             </a:r>
             <a:r>
-              <a:rPr lang="es-ES" sz="1800" dirty="0" err="1"/>
-              <a:t>Ritter</a:t>
+              <a:rPr lang="es-ES" sz="1800" dirty="0" smtClean="0"/>
+              <a:t>configuración </a:t>
             </a:r>
             <a:r>
               <a:rPr lang="es-ES" sz="1800" dirty="0"/>
-              <a:t>, cofundada por Arthur </a:t>
+              <a:t>del anillo. Es decir, si los rotores son (I,II,III) se cifrara con III, luego la salida de este con II, y la salida de este con I.</a:t>
             </a:r>
-            <a:r>
-              <a:rPr lang="es-ES" sz="1800" dirty="0" err="1"/>
-              <a:t>Scherbius</a:t>
-            </a:r>
-            <a:r>
-              <a:rPr lang="es-ES" sz="1800" dirty="0"/>
-              <a:t>, quien había comprado la patente de un inventor neerlandés, y se puso a la venta en 1923 para un uso </a:t>
-            </a:r>
-            <a:r>
-              <a:rPr lang="es-ES" sz="1800" dirty="0" smtClean="0"/>
-              <a:t>comercial.</a:t>
-            </a:r>
-            <a:r>
-              <a:rPr lang="es-ES" sz="1800" baseline="30000" dirty="0"/>
-              <a:t> </a:t>
-            </a:r>
-            <a:r>
-              <a:rPr lang="es-ES" sz="1800" dirty="0" smtClean="0"/>
-              <a:t>En </a:t>
-            </a:r>
-            <a:r>
-              <a:rPr lang="es-ES" sz="1800" dirty="0"/>
-              <a:t>1926, la Armada alemana la adoptó para uso militar y poco después su uso se extendió a las demás fuerzas armadas alemanas</a:t>
-            </a:r>
+          </a:p>
+          <a:p>
+            <a:pPr lvl="0" algn="just"/>
             <a:endParaRPr lang="es-ES" sz="1800" dirty="0" smtClean="0">
               <a:solidFill>
                 <a:schemeClr val="tx1"/>
@@ -26405,8 +26922,8 @@
         </p:nvSpPr>
         <p:spPr>
           <a:xfrm>
-            <a:off x="657816" y="1376728"/>
-            <a:ext cx="5345100" cy="831000"/>
+            <a:off x="619713" y="1033350"/>
+            <a:ext cx="5345100" cy="579896"/>
           </a:xfrm>
           <a:prstGeom prst="rect">
             <a:avLst/>
@@ -26433,7 +26950,7 @@
             </a:pPr>
             <a:r>
               <a:rPr lang="es" sz="2400" dirty="0" smtClean="0"/>
-              <a:t>Enigma</a:t>
+              <a:t>Cifrado enigma</a:t>
             </a:r>
             <a:endParaRPr sz="2400" dirty="0"/>
           </a:p>
@@ -26443,6 +26960,698 @@
     <p:extLst>
       <p:ext uri="{BB962C8B-B14F-4D97-AF65-F5344CB8AC3E}">
         <p14:creationId xmlns:p14="http://schemas.microsoft.com/office/powerpoint/2010/main" val="2931058320"/>
+      </p:ext>
+    </p:extLst>
+  </p:cSld>
+  <p:clrMapOvr>
+    <a:masterClrMapping/>
+  </p:clrMapOvr>
+</p:sld>
+</file>
+
+<file path=ppt/slides/slide22.xml><?xml version="1.0" encoding="utf-8"?>
+<p:sld xmlns:a="http://schemas.openxmlformats.org/drawingml/2006/main" xmlns:r="http://schemas.openxmlformats.org/officeDocument/2006/relationships" xmlns:p="http://schemas.openxmlformats.org/presentationml/2006/main">
+  <p:cSld>
+    <p:spTree>
+      <p:nvGrpSpPr>
+        <p:cNvPr id="1" name="Shape 227"/>
+        <p:cNvGrpSpPr/>
+        <p:nvPr/>
+      </p:nvGrpSpPr>
+      <p:grpSpPr>
+        <a:xfrm>
+          <a:off x="0" y="0"/>
+          <a:ext cx="0" cy="0"/>
+          <a:chOff x="0" y="0"/>
+          <a:chExt cx="0" cy="0"/>
+        </a:xfrm>
+      </p:grpSpPr>
+      <p:sp>
+        <p:nvSpPr>
+          <p:cNvPr id="228" name="Google Shape;228;p30"/>
+          <p:cNvSpPr txBox="1"/>
+          <p:nvPr/>
+        </p:nvSpPr>
+        <p:spPr>
+          <a:xfrm>
+            <a:off x="593423" y="1966889"/>
+            <a:ext cx="6812100" cy="2379080"/>
+          </a:xfrm>
+          <a:prstGeom prst="rect">
+            <a:avLst/>
+          </a:prstGeom>
+          <a:noFill/>
+          <a:ln>
+            <a:noFill/>
+          </a:ln>
+        </p:spPr>
+        <p:txBody>
+          <a:bodyPr spcFirstLastPara="1" wrap="square" lIns="91425" tIns="91425" rIns="91425" bIns="91425" anchor="b" anchorCtr="0">
+            <a:noAutofit/>
+          </a:bodyPr>
+          <a:lstStyle/>
+          <a:p>
+            <a:pPr algn="just"/>
+            <a:r>
+              <a:rPr lang="es-ES" sz="1800" dirty="0" smtClean="0"/>
+              <a:t>4. La </a:t>
+            </a:r>
+            <a:r>
+              <a:rPr lang="es-ES" sz="1800" dirty="0"/>
+              <a:t>salida del rotor de la izquierda del todo, se le aplica el reflector </a:t>
+            </a:r>
+            <a:r>
+              <a:rPr lang="es-ES" sz="1800" dirty="0" smtClean="0"/>
+              <a:t>(sustitución </a:t>
+            </a:r>
+            <a:r>
+              <a:rPr lang="es-ES" sz="1800" dirty="0"/>
+              <a:t>base</a:t>
+            </a:r>
+            <a:r>
+              <a:rPr lang="es-ES" sz="1800" dirty="0" smtClean="0"/>
+              <a:t>)</a:t>
+            </a:r>
+          </a:p>
+          <a:p>
+            <a:pPr lvl="0" algn="just"/>
+            <a:endParaRPr lang="es-ES" sz="1800" b="1" dirty="0" smtClean="0"/>
+          </a:p>
+          <a:p>
+            <a:pPr algn="just"/>
+            <a:r>
+              <a:rPr lang="es-ES" sz="1800" dirty="0" smtClean="0"/>
+              <a:t>5. Después </a:t>
+            </a:r>
+            <a:r>
+              <a:rPr lang="es-ES" sz="1800" dirty="0"/>
+              <a:t>del reflector, se aplicaran de nuevo los tres rotores de izquierda a derecha. Si los rotores son (I,II,III), se cifrara con I, luego II y al final III</a:t>
+            </a:r>
+            <a:r>
+              <a:rPr lang="es-ES" sz="1800" dirty="0" smtClean="0"/>
+              <a:t>.</a:t>
+            </a:r>
+          </a:p>
+          <a:p>
+            <a:pPr algn="just"/>
+            <a:endParaRPr lang="es-ES" sz="1800" dirty="0" smtClean="0"/>
+          </a:p>
+          <a:p>
+            <a:pPr algn="just"/>
+            <a:r>
+              <a:rPr lang="es-ES" sz="1800" dirty="0" smtClean="0"/>
+              <a:t>6. </a:t>
+            </a:r>
+            <a:r>
+              <a:rPr lang="es-ES" sz="1800" dirty="0"/>
+              <a:t>Se busca la letra un substituciones y se aplica si procede.</a:t>
+            </a:r>
+          </a:p>
+          <a:p>
+            <a:pPr algn="just"/>
+            <a:endParaRPr lang="es-ES" sz="1800" dirty="0"/>
+          </a:p>
+        </p:txBody>
+      </p:sp>
+      <p:sp>
+        <p:nvSpPr>
+          <p:cNvPr id="229" name="Google Shape;229;p30"/>
+          <p:cNvSpPr txBox="1"/>
+          <p:nvPr/>
+        </p:nvSpPr>
+        <p:spPr>
+          <a:xfrm>
+            <a:off x="1720050" y="177450"/>
+            <a:ext cx="5545500" cy="855900"/>
+          </a:xfrm>
+          <a:prstGeom prst="rect">
+            <a:avLst/>
+          </a:prstGeom>
+          <a:noFill/>
+          <a:ln>
+            <a:noFill/>
+          </a:ln>
+        </p:spPr>
+        <p:txBody>
+          <a:bodyPr spcFirstLastPara="1" wrap="square" lIns="91425" tIns="91425" rIns="91425" bIns="91425" anchor="t" anchorCtr="0">
+            <a:noAutofit/>
+          </a:bodyPr>
+          <a:lstStyle/>
+          <a:p>
+            <a:pPr marL="0" lvl="0" indent="0" algn="l" rtl="0">
+              <a:spcBef>
+                <a:spcPts val="0"/>
+              </a:spcBef>
+              <a:spcAft>
+                <a:spcPts val="0"/>
+              </a:spcAft>
+              <a:buNone/>
+            </a:pPr>
+            <a:r>
+              <a:rPr lang="es" sz="3000"/>
+              <a:t>Introducción a la Criptografía</a:t>
+            </a:r>
+            <a:endParaRPr sz="3000"/>
+          </a:p>
+        </p:txBody>
+      </p:sp>
+      <p:sp>
+        <p:nvSpPr>
+          <p:cNvPr id="230" name="Google Shape;230;p30"/>
+          <p:cNvSpPr txBox="1"/>
+          <p:nvPr/>
+        </p:nvSpPr>
+        <p:spPr>
+          <a:xfrm>
+            <a:off x="619713" y="1033350"/>
+            <a:ext cx="5345100" cy="579896"/>
+          </a:xfrm>
+          <a:prstGeom prst="rect">
+            <a:avLst/>
+          </a:prstGeom>
+          <a:noFill/>
+          <a:ln>
+            <a:noFill/>
+          </a:ln>
+        </p:spPr>
+        <p:txBody>
+          <a:bodyPr spcFirstLastPara="1" wrap="square" lIns="91425" tIns="91425" rIns="91425" bIns="91425" anchor="t" anchorCtr="0">
+            <a:noAutofit/>
+          </a:bodyPr>
+          <a:lstStyle/>
+          <a:p>
+            <a:pPr marL="0" lvl="0" indent="0" algn="l" rtl="0">
+              <a:spcBef>
+                <a:spcPts val="0"/>
+              </a:spcBef>
+              <a:spcAft>
+                <a:spcPts val="0"/>
+              </a:spcAft>
+              <a:buNone/>
+            </a:pPr>
+            <a:r>
+              <a:rPr lang="es" sz="2400" dirty="0" smtClean="0"/>
+              <a:t>Cifrado enigma</a:t>
+            </a:r>
+            <a:endParaRPr sz="2400" dirty="0"/>
+          </a:p>
+        </p:txBody>
+      </p:sp>
+    </p:spTree>
+    <p:extLst>
+      <p:ext uri="{BB962C8B-B14F-4D97-AF65-F5344CB8AC3E}">
+        <p14:creationId xmlns:p14="http://schemas.microsoft.com/office/powerpoint/2010/main" val="2611255820"/>
+      </p:ext>
+    </p:extLst>
+  </p:cSld>
+  <p:clrMapOvr>
+    <a:masterClrMapping/>
+  </p:clrMapOvr>
+</p:sld>
+</file>
+
+<file path=ppt/slides/slide23.xml><?xml version="1.0" encoding="utf-8"?>
+<p:sld xmlns:a="http://schemas.openxmlformats.org/drawingml/2006/main" xmlns:r="http://schemas.openxmlformats.org/officeDocument/2006/relationships" xmlns:p="http://schemas.openxmlformats.org/presentationml/2006/main">
+  <p:cSld>
+    <p:spTree>
+      <p:nvGrpSpPr>
+        <p:cNvPr id="1" name="Shape 227"/>
+        <p:cNvGrpSpPr/>
+        <p:nvPr/>
+      </p:nvGrpSpPr>
+      <p:grpSpPr>
+        <a:xfrm>
+          <a:off x="0" y="0"/>
+          <a:ext cx="0" cy="0"/>
+          <a:chOff x="0" y="0"/>
+          <a:chExt cx="0" cy="0"/>
+        </a:xfrm>
+      </p:grpSpPr>
+      <p:sp>
+        <p:nvSpPr>
+          <p:cNvPr id="229" name="Google Shape;229;p30"/>
+          <p:cNvSpPr txBox="1"/>
+          <p:nvPr/>
+        </p:nvSpPr>
+        <p:spPr>
+          <a:xfrm>
+            <a:off x="1720050" y="177450"/>
+            <a:ext cx="5545500" cy="855900"/>
+          </a:xfrm>
+          <a:prstGeom prst="rect">
+            <a:avLst/>
+          </a:prstGeom>
+          <a:noFill/>
+          <a:ln>
+            <a:noFill/>
+          </a:ln>
+        </p:spPr>
+        <p:txBody>
+          <a:bodyPr spcFirstLastPara="1" wrap="square" lIns="91425" tIns="91425" rIns="91425" bIns="91425" anchor="t" anchorCtr="0">
+            <a:noAutofit/>
+          </a:bodyPr>
+          <a:lstStyle/>
+          <a:p>
+            <a:pPr marL="0" lvl="0" indent="0" algn="l" rtl="0">
+              <a:spcBef>
+                <a:spcPts val="0"/>
+              </a:spcBef>
+              <a:spcAft>
+                <a:spcPts val="0"/>
+              </a:spcAft>
+              <a:buNone/>
+            </a:pPr>
+            <a:r>
+              <a:rPr lang="es" sz="3000"/>
+              <a:t>Introducción a la Criptografía</a:t>
+            </a:r>
+            <a:endParaRPr sz="3000"/>
+          </a:p>
+        </p:txBody>
+      </p:sp>
+      <p:sp>
+        <p:nvSpPr>
+          <p:cNvPr id="230" name="Google Shape;230;p30"/>
+          <p:cNvSpPr txBox="1"/>
+          <p:nvPr/>
+        </p:nvSpPr>
+        <p:spPr>
+          <a:xfrm>
+            <a:off x="619713" y="1033350"/>
+            <a:ext cx="5345100" cy="579896"/>
+          </a:xfrm>
+          <a:prstGeom prst="rect">
+            <a:avLst/>
+          </a:prstGeom>
+          <a:noFill/>
+          <a:ln>
+            <a:noFill/>
+          </a:ln>
+        </p:spPr>
+        <p:txBody>
+          <a:bodyPr spcFirstLastPara="1" wrap="square" lIns="91425" tIns="91425" rIns="91425" bIns="91425" anchor="t" anchorCtr="0">
+            <a:noAutofit/>
+          </a:bodyPr>
+          <a:lstStyle/>
+          <a:p>
+            <a:pPr marL="0" lvl="0" indent="0" algn="l" rtl="0">
+              <a:spcBef>
+                <a:spcPts val="0"/>
+              </a:spcBef>
+              <a:spcAft>
+                <a:spcPts val="0"/>
+              </a:spcAft>
+              <a:buNone/>
+            </a:pPr>
+            <a:r>
+              <a:rPr lang="es" sz="2400" dirty="0" smtClean="0"/>
+              <a:t>Cifrado enigma</a:t>
+            </a:r>
+            <a:endParaRPr sz="2400" dirty="0"/>
+          </a:p>
+        </p:txBody>
+      </p:sp>
+      <p:pic>
+        <p:nvPicPr>
+          <p:cNvPr id="2" name="Imagen 1"/>
+          <p:cNvPicPr>
+            <a:picLocks noChangeAspect="1"/>
+          </p:cNvPicPr>
+          <p:nvPr/>
+        </p:nvPicPr>
+        <p:blipFill rotWithShape="1">
+          <a:blip r:embed="rId3"/>
+          <a:srcRect l="46854" t="19561" r="22135" b="18087"/>
+          <a:stretch/>
+        </p:blipFill>
+        <p:spPr>
+          <a:xfrm>
+            <a:off x="2455524" y="1613246"/>
+            <a:ext cx="3102795" cy="3507508"/>
+          </a:xfrm>
+          <a:prstGeom prst="rect">
+            <a:avLst/>
+          </a:prstGeom>
+        </p:spPr>
+      </p:pic>
+    </p:spTree>
+    <p:extLst>
+      <p:ext uri="{BB962C8B-B14F-4D97-AF65-F5344CB8AC3E}">
+        <p14:creationId xmlns:p14="http://schemas.microsoft.com/office/powerpoint/2010/main" val="3082715715"/>
+      </p:ext>
+    </p:extLst>
+  </p:cSld>
+  <p:clrMapOvr>
+    <a:masterClrMapping/>
+  </p:clrMapOvr>
+</p:sld>
+</file>
+
+<file path=ppt/slides/slide24.xml><?xml version="1.0" encoding="utf-8"?>
+<p:sld xmlns:a="http://schemas.openxmlformats.org/drawingml/2006/main" xmlns:r="http://schemas.openxmlformats.org/officeDocument/2006/relationships" xmlns:p="http://schemas.openxmlformats.org/presentationml/2006/main">
+  <p:cSld>
+    <p:spTree>
+      <p:nvGrpSpPr>
+        <p:cNvPr id="1" name="Shape 227"/>
+        <p:cNvGrpSpPr/>
+        <p:nvPr/>
+      </p:nvGrpSpPr>
+      <p:grpSpPr>
+        <a:xfrm>
+          <a:off x="0" y="0"/>
+          <a:ext cx="0" cy="0"/>
+          <a:chOff x="0" y="0"/>
+          <a:chExt cx="0" cy="0"/>
+        </a:xfrm>
+      </p:grpSpPr>
+      <p:sp>
+        <p:nvSpPr>
+          <p:cNvPr id="228" name="Google Shape;228;p30"/>
+          <p:cNvSpPr txBox="1"/>
+          <p:nvPr/>
+        </p:nvSpPr>
+        <p:spPr>
+          <a:xfrm>
+            <a:off x="619713" y="2326485"/>
+            <a:ext cx="6812100" cy="2379080"/>
+          </a:xfrm>
+          <a:prstGeom prst="rect">
+            <a:avLst/>
+          </a:prstGeom>
+          <a:noFill/>
+          <a:ln>
+            <a:noFill/>
+          </a:ln>
+        </p:spPr>
+        <p:txBody>
+          <a:bodyPr spcFirstLastPara="1" wrap="square" lIns="91425" tIns="91425" rIns="91425" bIns="91425" anchor="b" anchorCtr="0">
+            <a:noAutofit/>
+          </a:bodyPr>
+          <a:lstStyle/>
+          <a:p>
+            <a:pPr algn="just"/>
+            <a:r>
+              <a:rPr lang="es-ES" sz="1800" dirty="0"/>
+              <a:t>Se hace lo mismo que con el cifrado, siempre que la </a:t>
+            </a:r>
+            <a:r>
+              <a:rPr lang="es-ES" sz="1800" dirty="0" smtClean="0"/>
+              <a:t>configuración </a:t>
+            </a:r>
+            <a:r>
+              <a:rPr lang="es-ES" sz="1800" dirty="0"/>
+              <a:t>sea la que estaba al principio del cifrado</a:t>
+            </a:r>
+            <a:r>
+              <a:rPr lang="es-ES" sz="1800" dirty="0" smtClean="0"/>
+              <a:t>.</a:t>
+            </a:r>
+          </a:p>
+          <a:p>
+            <a:pPr algn="just"/>
+            <a:endParaRPr lang="es-ES" sz="1800" dirty="0" smtClean="0"/>
+          </a:p>
+          <a:p>
+            <a:pPr algn="just"/>
+            <a:r>
+              <a:rPr lang="es-ES" sz="1800" dirty="0"/>
+              <a:t>Por ejemplo, si </a:t>
+            </a:r>
+            <a:r>
+              <a:rPr lang="es-ES" sz="1800" dirty="0" smtClean="0"/>
+              <a:t>la configuración </a:t>
+            </a:r>
+            <a:r>
+              <a:rPr lang="es-ES" sz="1800" dirty="0"/>
+              <a:t>antes de cifrar </a:t>
+            </a:r>
+            <a:r>
+              <a:rPr lang="es-ES" sz="1800" dirty="0" smtClean="0"/>
+              <a:t>era:</a:t>
+            </a:r>
+          </a:p>
+          <a:p>
+            <a:pPr algn="just"/>
+            <a:endParaRPr lang="es-ES" sz="1800" dirty="0" smtClean="0"/>
+          </a:p>
+          <a:p>
+            <a:r>
+              <a:rPr lang="es-AR" sz="1800" dirty="0" smtClean="0"/>
+              <a:t>1. Rotores</a:t>
+            </a:r>
+            <a:r>
+              <a:rPr lang="es-AR" sz="1800" dirty="0"/>
+              <a:t>: (I,II,III)</a:t>
+            </a:r>
+          </a:p>
+          <a:p>
+            <a:r>
+              <a:rPr lang="es-AR" sz="1800" dirty="0" smtClean="0"/>
+              <a:t>2. Posición </a:t>
+            </a:r>
+            <a:r>
+              <a:rPr lang="es-AR" sz="1800" dirty="0"/>
+              <a:t>inicial: (A,A,A)</a:t>
+            </a:r>
+          </a:p>
+          <a:p>
+            <a:r>
+              <a:rPr lang="es-AR" sz="1800" dirty="0" smtClean="0"/>
+              <a:t>3. Configuración </a:t>
+            </a:r>
+            <a:r>
+              <a:rPr lang="es-AR" sz="1800" dirty="0"/>
+              <a:t>de anillo: (G,C,H)</a:t>
+            </a:r>
+          </a:p>
+          <a:p>
+            <a:r>
+              <a:rPr lang="es-AR" sz="1800" dirty="0" smtClean="0"/>
+              <a:t>4. Reflector</a:t>
+            </a:r>
+            <a:r>
+              <a:rPr lang="es-AR" sz="1800" dirty="0"/>
+              <a:t>: B</a:t>
+            </a:r>
+          </a:p>
+          <a:p>
+            <a:r>
+              <a:rPr lang="es-AR" sz="1800" dirty="0" smtClean="0"/>
+              <a:t>5. Substituciones</a:t>
+            </a:r>
+            <a:r>
+              <a:rPr lang="es-AR" sz="1800" dirty="0"/>
+              <a:t>: ()</a:t>
+            </a:r>
+          </a:p>
+          <a:p>
+            <a:pPr algn="just"/>
+            <a:endParaRPr lang="es-ES" sz="1800" dirty="0"/>
+          </a:p>
+        </p:txBody>
+      </p:sp>
+      <p:sp>
+        <p:nvSpPr>
+          <p:cNvPr id="229" name="Google Shape;229;p30"/>
+          <p:cNvSpPr txBox="1"/>
+          <p:nvPr/>
+        </p:nvSpPr>
+        <p:spPr>
+          <a:xfrm>
+            <a:off x="1720050" y="177450"/>
+            <a:ext cx="5545500" cy="855900"/>
+          </a:xfrm>
+          <a:prstGeom prst="rect">
+            <a:avLst/>
+          </a:prstGeom>
+          <a:noFill/>
+          <a:ln>
+            <a:noFill/>
+          </a:ln>
+        </p:spPr>
+        <p:txBody>
+          <a:bodyPr spcFirstLastPara="1" wrap="square" lIns="91425" tIns="91425" rIns="91425" bIns="91425" anchor="t" anchorCtr="0">
+            <a:noAutofit/>
+          </a:bodyPr>
+          <a:lstStyle/>
+          <a:p>
+            <a:pPr marL="0" lvl="0" indent="0" algn="l" rtl="0">
+              <a:spcBef>
+                <a:spcPts val="0"/>
+              </a:spcBef>
+              <a:spcAft>
+                <a:spcPts val="0"/>
+              </a:spcAft>
+              <a:buNone/>
+            </a:pPr>
+            <a:r>
+              <a:rPr lang="es" sz="3000"/>
+              <a:t>Introducción a la Criptografía</a:t>
+            </a:r>
+            <a:endParaRPr sz="3000"/>
+          </a:p>
+        </p:txBody>
+      </p:sp>
+      <p:sp>
+        <p:nvSpPr>
+          <p:cNvPr id="230" name="Google Shape;230;p30"/>
+          <p:cNvSpPr txBox="1"/>
+          <p:nvPr/>
+        </p:nvSpPr>
+        <p:spPr>
+          <a:xfrm>
+            <a:off x="619713" y="1033350"/>
+            <a:ext cx="5345100" cy="579896"/>
+          </a:xfrm>
+          <a:prstGeom prst="rect">
+            <a:avLst/>
+          </a:prstGeom>
+          <a:noFill/>
+          <a:ln>
+            <a:noFill/>
+          </a:ln>
+        </p:spPr>
+        <p:txBody>
+          <a:bodyPr spcFirstLastPara="1" wrap="square" lIns="91425" tIns="91425" rIns="91425" bIns="91425" anchor="t" anchorCtr="0">
+            <a:noAutofit/>
+          </a:bodyPr>
+          <a:lstStyle/>
+          <a:p>
+            <a:pPr marL="0" lvl="0" indent="0" algn="l" rtl="0">
+              <a:spcBef>
+                <a:spcPts val="0"/>
+              </a:spcBef>
+              <a:spcAft>
+                <a:spcPts val="0"/>
+              </a:spcAft>
+              <a:buNone/>
+            </a:pPr>
+            <a:r>
+              <a:rPr lang="es-CO" sz="2400" dirty="0" smtClean="0"/>
+              <a:t>Descifrado</a:t>
+            </a:r>
+            <a:endParaRPr sz="2400" dirty="0"/>
+          </a:p>
+        </p:txBody>
+      </p:sp>
+    </p:spTree>
+    <p:extLst>
+      <p:ext uri="{BB962C8B-B14F-4D97-AF65-F5344CB8AC3E}">
+        <p14:creationId xmlns:p14="http://schemas.microsoft.com/office/powerpoint/2010/main" val="958318448"/>
+      </p:ext>
+    </p:extLst>
+  </p:cSld>
+  <p:clrMapOvr>
+    <a:masterClrMapping/>
+  </p:clrMapOvr>
+</p:sld>
+</file>
+
+<file path=ppt/slides/slide25.xml><?xml version="1.0" encoding="utf-8"?>
+<p:sld xmlns:a="http://schemas.openxmlformats.org/drawingml/2006/main" xmlns:r="http://schemas.openxmlformats.org/officeDocument/2006/relationships" xmlns:p="http://schemas.openxmlformats.org/presentationml/2006/main">
+  <p:cSld>
+    <p:spTree>
+      <p:nvGrpSpPr>
+        <p:cNvPr id="1" name="Shape 227"/>
+        <p:cNvGrpSpPr/>
+        <p:nvPr/>
+      </p:nvGrpSpPr>
+      <p:grpSpPr>
+        <a:xfrm>
+          <a:off x="0" y="0"/>
+          <a:ext cx="0" cy="0"/>
+          <a:chOff x="0" y="0"/>
+          <a:chExt cx="0" cy="0"/>
+        </a:xfrm>
+      </p:grpSpPr>
+      <p:sp>
+        <p:nvSpPr>
+          <p:cNvPr id="229" name="Google Shape;229;p30"/>
+          <p:cNvSpPr txBox="1"/>
+          <p:nvPr/>
+        </p:nvSpPr>
+        <p:spPr>
+          <a:xfrm>
+            <a:off x="1720049" y="156902"/>
+            <a:ext cx="5545500" cy="855900"/>
+          </a:xfrm>
+          <a:prstGeom prst="rect">
+            <a:avLst/>
+          </a:prstGeom>
+          <a:noFill/>
+          <a:ln>
+            <a:noFill/>
+          </a:ln>
+        </p:spPr>
+        <p:txBody>
+          <a:bodyPr spcFirstLastPara="1" wrap="square" lIns="91425" tIns="91425" rIns="91425" bIns="91425" anchor="t" anchorCtr="0">
+            <a:noAutofit/>
+          </a:bodyPr>
+          <a:lstStyle/>
+          <a:p>
+            <a:pPr marL="0" lvl="0" indent="0" algn="l" rtl="0">
+              <a:spcBef>
+                <a:spcPts val="0"/>
+              </a:spcBef>
+              <a:spcAft>
+                <a:spcPts val="0"/>
+              </a:spcAft>
+              <a:buNone/>
+            </a:pPr>
+            <a:r>
+              <a:rPr lang="es" sz="3000"/>
+              <a:t>Introducción a la Criptografía</a:t>
+            </a:r>
+            <a:endParaRPr sz="3000"/>
+          </a:p>
+        </p:txBody>
+      </p:sp>
+      <p:sp>
+        <p:nvSpPr>
+          <p:cNvPr id="230" name="Google Shape;230;p30"/>
+          <p:cNvSpPr txBox="1"/>
+          <p:nvPr/>
+        </p:nvSpPr>
+        <p:spPr>
+          <a:xfrm>
+            <a:off x="2275713" y="2338168"/>
+            <a:ext cx="4105397" cy="579896"/>
+          </a:xfrm>
+          <a:prstGeom prst="rect">
+            <a:avLst/>
+          </a:prstGeom>
+          <a:noFill/>
+          <a:ln>
+            <a:noFill/>
+          </a:ln>
+        </p:spPr>
+        <p:txBody>
+          <a:bodyPr spcFirstLastPara="1" wrap="square" lIns="91425" tIns="91425" rIns="91425" bIns="91425" anchor="t" anchorCtr="0">
+            <a:noAutofit/>
+          </a:bodyPr>
+          <a:lstStyle/>
+          <a:p>
+            <a:pPr marL="0" lvl="0" indent="0" algn="ctr" rtl="0">
+              <a:spcBef>
+                <a:spcPts val="0"/>
+              </a:spcBef>
+              <a:spcAft>
+                <a:spcPts val="0"/>
+              </a:spcAft>
+              <a:buNone/>
+            </a:pPr>
+            <a:r>
+              <a:rPr lang="es-CO" sz="3600" dirty="0" smtClean="0"/>
+              <a:t>Muchas Gracias</a:t>
+            </a:r>
+            <a:endParaRPr sz="3200" dirty="0"/>
+          </a:p>
+        </p:txBody>
+      </p:sp>
+    </p:spTree>
+    <p:extLst>
+      <p:ext uri="{BB962C8B-B14F-4D97-AF65-F5344CB8AC3E}">
+        <p14:creationId xmlns:p14="http://schemas.microsoft.com/office/powerpoint/2010/main" val="4123928318"/>
       </p:ext>
     </p:extLst>
   </p:cSld>
